--- a/SE401/Lectures/3-Software Testing Life Cycle/Software Testing Life Cycle (STLC).pptx
+++ b/SE401/Lectures/3-Software Testing Life Cycle/Software Testing Life Cycle (STLC).pptx
@@ -243,7 +243,7 @@
           <a:p>
             <a:fld id="{29DC965F-4EE6-424F-87B9-6E4E065EFA1D}" type="datetimeFigureOut">
               <a:rPr lang="en-US" smtClean="0"/>
-              <a:t>2/2/2021</a:t>
+              <a:t>9/19/2021</a:t>
             </a:fld>
             <a:endParaRPr lang="en-US"/>
           </a:p>
@@ -740,7 +740,7 @@
           <a:p>
             <a:fld id="{B7194F6F-F8F6-4751-8CA2-85F4D35D018E}" type="datetime1">
               <a:rPr lang="en-US" smtClean="0"/>
-              <a:t>2/2/2021</a:t>
+              <a:t>9/19/2021</a:t>
             </a:fld>
             <a:endParaRPr lang="en-US"/>
           </a:p>
@@ -991,7 +991,7 @@
           <a:p>
             <a:fld id="{51966701-5015-4BF1-A38F-3E8D09F89975}" type="datetime1">
               <a:rPr lang="en-US" smtClean="0"/>
-              <a:t>2/2/2021</a:t>
+              <a:t>9/19/2021</a:t>
             </a:fld>
             <a:endParaRPr lang="en-US"/>
           </a:p>
@@ -1171,7 +1171,7 @@
           <a:p>
             <a:fld id="{05771115-F41D-48B8-B0FE-B44E30C0995B}" type="datetime1">
               <a:rPr lang="en-US" smtClean="0"/>
-              <a:t>2/2/2021</a:t>
+              <a:t>9/19/2021</a:t>
             </a:fld>
             <a:endParaRPr lang="en-US"/>
           </a:p>
@@ -1341,7 +1341,7 @@
           <a:p>
             <a:fld id="{99530CDF-96EE-428C-B9C0-4520B0E0B913}" type="datetime1">
               <a:rPr lang="en-US" smtClean="0"/>
-              <a:t>2/2/2021</a:t>
+              <a:t>9/19/2021</a:t>
             </a:fld>
             <a:endParaRPr lang="en-US"/>
           </a:p>
@@ -1587,7 +1587,7 @@
           <a:p>
             <a:fld id="{61C4777D-9966-4594-BF32-BA726808DAEC}" type="datetime1">
               <a:rPr lang="en-US" smtClean="0"/>
-              <a:t>2/2/2021</a:t>
+              <a:t>9/19/2021</a:t>
             </a:fld>
             <a:endParaRPr lang="en-US"/>
           </a:p>
@@ -1819,7 +1819,7 @@
           <a:p>
             <a:fld id="{573F1017-7F50-49A5-8F6A-751781652CD4}" type="datetime1">
               <a:rPr lang="en-US" smtClean="0"/>
-              <a:t>2/2/2021</a:t>
+              <a:t>9/19/2021</a:t>
             </a:fld>
             <a:endParaRPr lang="en-US"/>
           </a:p>
@@ -2186,7 +2186,7 @@
           <a:p>
             <a:fld id="{D82622DA-C96C-48AC-8B90-803C0D3CBC33}" type="datetime1">
               <a:rPr lang="en-US" smtClean="0"/>
-              <a:t>2/2/2021</a:t>
+              <a:t>9/19/2021</a:t>
             </a:fld>
             <a:endParaRPr lang="en-US"/>
           </a:p>
@@ -2304,7 +2304,7 @@
           <a:p>
             <a:fld id="{5DBD60FD-FD70-40FE-97C9-119340063A5F}" type="datetime1">
               <a:rPr lang="en-US" smtClean="0"/>
-              <a:t>2/2/2021</a:t>
+              <a:t>9/19/2021</a:t>
             </a:fld>
             <a:endParaRPr lang="en-US"/>
           </a:p>
@@ -2399,7 +2399,7 @@
           <a:p>
             <a:fld id="{39DDBD92-ACEF-4439-8840-D62695E6504F}" type="datetime1">
               <a:rPr lang="en-US" smtClean="0"/>
-              <a:t>2/2/2021</a:t>
+              <a:t>9/19/2021</a:t>
             </a:fld>
             <a:endParaRPr lang="en-US"/>
           </a:p>
@@ -2676,7 +2676,7 @@
           <a:p>
             <a:fld id="{A8769B50-085C-407B-B095-9D9580988E69}" type="datetime1">
               <a:rPr lang="en-US" smtClean="0"/>
-              <a:t>2/2/2021</a:t>
+              <a:t>9/19/2021</a:t>
             </a:fld>
             <a:endParaRPr lang="en-US"/>
           </a:p>
@@ -2929,7 +2929,7 @@
           <a:p>
             <a:fld id="{6E723B20-9AAB-4932-889C-6B705105D696}" type="datetime1">
               <a:rPr lang="en-US" smtClean="0"/>
-              <a:t>2/2/2021</a:t>
+              <a:t>9/19/2021</a:t>
             </a:fld>
             <a:endParaRPr lang="en-US"/>
           </a:p>
@@ -3143,7 +3143,7 @@
           <a:p>
             <a:fld id="{9C03F2C9-F0E1-42D1-90CF-02BED57269FA}" type="datetime1">
               <a:rPr lang="en-US" smtClean="0"/>
-              <a:t>2/2/2021</a:t>
+              <a:t>9/19/2021</a:t>
             </a:fld>
             <a:endParaRPr lang="en-US"/>
           </a:p>
@@ -23895,7 +23895,7 @@
             <p:ph idx="1"/>
             <p:extLst>
               <p:ext uri="{D42A27DB-BD31-4B8C-83A1-F6EECF244321}">
-                <p14:modId xmlns:p14="http://schemas.microsoft.com/office/powerpoint/2010/main" val="4160219332"/>
+                <p14:modId xmlns:p14="http://schemas.microsoft.com/office/powerpoint/2010/main" val="1935773108"/>
               </p:ext>
             </p:extLst>
           </p:nvPr>
@@ -24126,19 +24126,19 @@
                         <a:rPr lang="en-US" dirty="0" smtClean="0">
                           <a:latin typeface="Candara" panose="020E0502030303020204" pitchFamily="34" charset="0"/>
                         </a:rPr>
-                        <a:t>It is a long-term plan of </a:t>
-                      </a:r>
-                      <a:r>
-                        <a:rPr lang="en-US" dirty="0" err="1" smtClean="0">
-                          <a:latin typeface="Candara" panose="020E0502030303020204" pitchFamily="34" charset="0"/>
-                        </a:rPr>
-                        <a:t>action.You</a:t>
+                        <a:t>It is a long-term plan of action</a:t>
                       </a:r>
                       <a:r>
                         <a:rPr lang="en-US" dirty="0" smtClean="0">
                           <a:latin typeface="Candara" panose="020E0502030303020204" pitchFamily="34" charset="0"/>
                         </a:rPr>
-                        <a:t> can abstract information that is not project specific and put it into test approach</a:t>
+                        <a:t>. You </a:t>
+                      </a:r>
+                      <a:r>
+                        <a:rPr lang="en-US" dirty="0" smtClean="0">
+                          <a:latin typeface="Candara" panose="020E0502030303020204" pitchFamily="34" charset="0"/>
+                        </a:rPr>
+                        <a:t>can abstract information that is not project specific and put it into test approach</a:t>
                       </a:r>
                       <a:endParaRPr lang="en-US" dirty="0">
                         <a:latin typeface="Candara" panose="020E0502030303020204" pitchFamily="34" charset="0"/>
@@ -25154,23 +25154,7 @@
             </a:r>
             <a:r>
               <a:rPr lang="en-US" sz="2400" dirty="0"/>
-              <a:t>)  - </a:t>
-            </a:r>
-            <a:r>
-              <a:rPr lang="en-US" i="1" dirty="0">
-                <a:solidFill>
-                  <a:srgbClr val="D15A3E"/>
-                </a:solidFill>
-              </a:rPr>
-              <a:t>see slide </a:t>
-            </a:r>
-            <a:r>
-              <a:rPr lang="en-US" i="1" dirty="0" smtClean="0">
-                <a:solidFill>
-                  <a:srgbClr val="D15A3E"/>
-                </a:solidFill>
-              </a:rPr>
-              <a:t>32</a:t>
+              <a:t>) </a:t>
             </a:r>
             <a:endParaRPr lang="en-US" i="1" dirty="0">
               <a:solidFill>
